--- a/docs/Laboratório - REST - v4.pptx
+++ b/docs/Laboratório - REST - v4.pptx
@@ -274,7 +274,7 @@
           <a:p>
             <a:fld id="{F3052D68-3286-4B67-BE67-1DA6A7D8FCAB}" type="datetimeFigureOut">
               <a:rPr lang="pt-BR" smtClean="0"/>
-              <a:t>15/03/2022</a:t>
+              <a:t>16/03/2022</a:t>
             </a:fld>
             <a:endParaRPr lang="pt-BR"/>
           </a:p>
@@ -432,7 +432,7 @@
           <a:p>
             <a:fld id="{F84297B2-42CC-422A-BD0E-F26526CE07AB}" type="slidenum">
               <a:rPr lang="pt-BR" smtClean="0"/>
-              <a:t>‹nº›</a:t>
+              <a:t>‹#›</a:t>
             </a:fld>
             <a:endParaRPr lang="pt-BR"/>
           </a:p>
@@ -670,7 +670,7 @@
           <a:p>
             <a:fld id="{6E2AC561-9086-4A77-B72B-4E0B017958A9}" type="datetimeFigureOut">
               <a:rPr lang="pt-BR" smtClean="0"/>
-              <a:t>15/03/2022</a:t>
+              <a:t>16/03/2022</a:t>
             </a:fld>
             <a:endParaRPr lang="pt-BR"/>
           </a:p>
@@ -720,7 +720,7 @@
           <a:p>
             <a:fld id="{7A28B3CA-C863-4D9C-BA95-0340CA493557}" type="slidenum">
               <a:rPr lang="pt-BR" smtClean="0"/>
-              <a:t>‹nº›</a:t>
+              <a:t>‹#›</a:t>
             </a:fld>
             <a:endParaRPr lang="pt-BR"/>
           </a:p>
@@ -846,7 +846,7 @@
           <a:p>
             <a:fld id="{6E2AC561-9086-4A77-B72B-4E0B017958A9}" type="datetimeFigureOut">
               <a:rPr lang="pt-BR" smtClean="0"/>
-              <a:t>15/03/2022</a:t>
+              <a:t>16/03/2022</a:t>
             </a:fld>
             <a:endParaRPr lang="pt-BR"/>
           </a:p>
@@ -896,7 +896,7 @@
           <a:p>
             <a:fld id="{7A28B3CA-C863-4D9C-BA95-0340CA493557}" type="slidenum">
               <a:rPr lang="pt-BR" smtClean="0"/>
-              <a:t>‹nº›</a:t>
+              <a:t>‹#›</a:t>
             </a:fld>
             <a:endParaRPr lang="pt-BR"/>
           </a:p>
@@ -1032,7 +1032,7 @@
           <a:p>
             <a:fld id="{6E2AC561-9086-4A77-B72B-4E0B017958A9}" type="datetimeFigureOut">
               <a:rPr lang="pt-BR" smtClean="0"/>
-              <a:t>15/03/2022</a:t>
+              <a:t>16/03/2022</a:t>
             </a:fld>
             <a:endParaRPr lang="pt-BR"/>
           </a:p>
@@ -1082,7 +1082,7 @@
           <a:p>
             <a:fld id="{7A28B3CA-C863-4D9C-BA95-0340CA493557}" type="slidenum">
               <a:rPr lang="pt-BR" smtClean="0"/>
-              <a:t>‹nº›</a:t>
+              <a:t>‹#›</a:t>
             </a:fld>
             <a:endParaRPr lang="pt-BR"/>
           </a:p>
@@ -1208,7 +1208,7 @@
           <a:p>
             <a:fld id="{6E2AC561-9086-4A77-B72B-4E0B017958A9}" type="datetimeFigureOut">
               <a:rPr lang="pt-BR" smtClean="0"/>
-              <a:t>15/03/2022</a:t>
+              <a:t>16/03/2022</a:t>
             </a:fld>
             <a:endParaRPr lang="pt-BR"/>
           </a:p>
@@ -1258,7 +1258,7 @@
           <a:p>
             <a:fld id="{7A28B3CA-C863-4D9C-BA95-0340CA493557}" type="slidenum">
               <a:rPr lang="pt-BR" smtClean="0"/>
-              <a:t>‹nº›</a:t>
+              <a:t>‹#›</a:t>
             </a:fld>
             <a:endParaRPr lang="pt-BR"/>
           </a:p>
@@ -1461,7 +1461,7 @@
           <a:p>
             <a:fld id="{6E2AC561-9086-4A77-B72B-4E0B017958A9}" type="datetimeFigureOut">
               <a:rPr lang="pt-BR" smtClean="0"/>
-              <a:t>15/03/2022</a:t>
+              <a:t>16/03/2022</a:t>
             </a:fld>
             <a:endParaRPr lang="pt-BR"/>
           </a:p>
@@ -1511,7 +1511,7 @@
           <a:p>
             <a:fld id="{7A28B3CA-C863-4D9C-BA95-0340CA493557}" type="slidenum">
               <a:rPr lang="pt-BR" smtClean="0"/>
-              <a:t>‹nº›</a:t>
+              <a:t>‹#›</a:t>
             </a:fld>
             <a:endParaRPr lang="pt-BR"/>
           </a:p>
@@ -1698,7 +1698,7 @@
           <a:p>
             <a:fld id="{6E2AC561-9086-4A77-B72B-4E0B017958A9}" type="datetimeFigureOut">
               <a:rPr lang="pt-BR" smtClean="0"/>
-              <a:t>15/03/2022</a:t>
+              <a:t>16/03/2022</a:t>
             </a:fld>
             <a:endParaRPr lang="pt-BR"/>
           </a:p>
@@ -1748,7 +1748,7 @@
           <a:p>
             <a:fld id="{7A28B3CA-C863-4D9C-BA95-0340CA493557}" type="slidenum">
               <a:rPr lang="pt-BR" smtClean="0"/>
-              <a:t>‹nº›</a:t>
+              <a:t>‹#›</a:t>
             </a:fld>
             <a:endParaRPr lang="pt-BR"/>
           </a:p>
@@ -2070,7 +2070,7 @@
           <a:p>
             <a:fld id="{6E2AC561-9086-4A77-B72B-4E0B017958A9}" type="datetimeFigureOut">
               <a:rPr lang="pt-BR" smtClean="0"/>
-              <a:t>15/03/2022</a:t>
+              <a:t>16/03/2022</a:t>
             </a:fld>
             <a:endParaRPr lang="pt-BR"/>
           </a:p>
@@ -2120,7 +2120,7 @@
           <a:p>
             <a:fld id="{7A28B3CA-C863-4D9C-BA95-0340CA493557}" type="slidenum">
               <a:rPr lang="pt-BR" smtClean="0"/>
-              <a:t>‹nº›</a:t>
+              <a:t>‹#›</a:t>
             </a:fld>
             <a:endParaRPr lang="pt-BR"/>
           </a:p>
@@ -2195,7 +2195,7 @@
           <a:p>
             <a:fld id="{6E2AC561-9086-4A77-B72B-4E0B017958A9}" type="datetimeFigureOut">
               <a:rPr lang="pt-BR" smtClean="0"/>
-              <a:t>15/03/2022</a:t>
+              <a:t>16/03/2022</a:t>
             </a:fld>
             <a:endParaRPr lang="pt-BR"/>
           </a:p>
@@ -2245,7 +2245,7 @@
           <a:p>
             <a:fld id="{7A28B3CA-C863-4D9C-BA95-0340CA493557}" type="slidenum">
               <a:rPr lang="pt-BR" smtClean="0"/>
-              <a:t>‹nº›</a:t>
+              <a:t>‹#›</a:t>
             </a:fld>
             <a:endParaRPr lang="pt-BR"/>
           </a:p>
@@ -2298,7 +2298,7 @@
           <a:p>
             <a:fld id="{6E2AC561-9086-4A77-B72B-4E0B017958A9}" type="datetimeFigureOut">
               <a:rPr lang="pt-BR" smtClean="0"/>
-              <a:t>15/03/2022</a:t>
+              <a:t>16/03/2022</a:t>
             </a:fld>
             <a:endParaRPr lang="pt-BR"/>
           </a:p>
@@ -2348,7 +2348,7 @@
           <a:p>
             <a:fld id="{7A28B3CA-C863-4D9C-BA95-0340CA493557}" type="slidenum">
               <a:rPr lang="pt-BR" smtClean="0"/>
-              <a:t>‹nº›</a:t>
+              <a:t>‹#›</a:t>
             </a:fld>
             <a:endParaRPr lang="pt-BR"/>
           </a:p>
@@ -2581,7 +2581,7 @@
           <a:p>
             <a:fld id="{6E2AC561-9086-4A77-B72B-4E0B017958A9}" type="datetimeFigureOut">
               <a:rPr lang="pt-BR" smtClean="0"/>
-              <a:t>15/03/2022</a:t>
+              <a:t>16/03/2022</a:t>
             </a:fld>
             <a:endParaRPr lang="pt-BR"/>
           </a:p>
@@ -2631,7 +2631,7 @@
           <a:p>
             <a:fld id="{7A28B3CA-C863-4D9C-BA95-0340CA493557}" type="slidenum">
               <a:rPr lang="pt-BR" smtClean="0"/>
-              <a:t>‹nº›</a:t>
+              <a:t>‹#›</a:t>
             </a:fld>
             <a:endParaRPr lang="pt-BR"/>
           </a:p>
@@ -2841,7 +2841,7 @@
           <a:p>
             <a:fld id="{6E2AC561-9086-4A77-B72B-4E0B017958A9}" type="datetimeFigureOut">
               <a:rPr lang="pt-BR" smtClean="0"/>
-              <a:t>15/03/2022</a:t>
+              <a:t>16/03/2022</a:t>
             </a:fld>
             <a:endParaRPr lang="pt-BR"/>
           </a:p>
@@ -2891,7 +2891,7 @@
           <a:p>
             <a:fld id="{7A28B3CA-C863-4D9C-BA95-0340CA493557}" type="slidenum">
               <a:rPr lang="pt-BR" smtClean="0"/>
-              <a:t>‹nº›</a:t>
+              <a:t>‹#›</a:t>
             </a:fld>
             <a:endParaRPr lang="pt-BR"/>
           </a:p>
@@ -3060,7 +3060,7 @@
           <a:p>
             <a:fld id="{6E2AC561-9086-4A77-B72B-4E0B017958A9}" type="datetimeFigureOut">
               <a:rPr lang="pt-BR" smtClean="0"/>
-              <a:t>15/03/2022</a:t>
+              <a:t>16/03/2022</a:t>
             </a:fld>
             <a:endParaRPr lang="pt-BR"/>
           </a:p>
@@ -3950,7 +3950,7 @@
                 <a:latin typeface="Arial" panose="020B0604020202020204" pitchFamily="34" charset="0"/>
               </a:rPr>
               <a:pPr algn="r"/>
-              <a:t>‹nº›</a:t>
+              <a:t>‹#›</a:t>
             </a:fld>
             <a:endParaRPr lang="pt-BR" altLang="pt-BR" sz="1400" dirty="0">
               <a:latin typeface="Arial" panose="020B0604020202020204" pitchFamily="34" charset="0"/>
@@ -43363,1104 +43363,13 @@
           </a:lstStyle>
           <a:p>
             <a:r>
-              <a:rPr lang="pt-BR" sz="2400" b="1">
+              <a:rPr lang="pt-BR" sz="2400" b="1" dirty="0">
                 <a:solidFill>
                   <a:srgbClr val="003399"/>
                 </a:solidFill>
                 <a:latin typeface="Candara" panose="020E0502030303020204" pitchFamily="34" charset="0"/>
               </a:rPr>
-              <a:t>Questão de JPA e JDBC</a:t>
-            </a:r>
-          </a:p>
-        </p:txBody>
-      </p:sp>
-      <p:grpSp>
-        <p:nvGrpSpPr>
-          <p:cNvPr id="29" name="Agrupar 28">
-            <a:extLst>
-              <a:ext uri="{FF2B5EF4-FFF2-40B4-BE49-F238E27FC236}">
-                <a16:creationId xmlns:a16="http://schemas.microsoft.com/office/drawing/2014/main" id="{5A11B458-1E0E-473A-967C-62E57D4ABE7F}"/>
-              </a:ext>
-            </a:extLst>
-          </p:cNvPr>
-          <p:cNvGrpSpPr/>
-          <p:nvPr/>
-        </p:nvGrpSpPr>
-        <p:grpSpPr>
-          <a:xfrm>
-            <a:off x="825623" y="878890"/>
-            <a:ext cx="11079336" cy="1697427"/>
-            <a:chOff x="878889" y="2503503"/>
-            <a:chExt cx="11079336" cy="1697427"/>
-          </a:xfrm>
-        </p:grpSpPr>
-        <p:sp>
-          <p:nvSpPr>
-            <p:cNvPr id="4" name="Elipse 3">
-              <a:extLst>
-                <a:ext uri="{FF2B5EF4-FFF2-40B4-BE49-F238E27FC236}">
-                  <a16:creationId xmlns:a16="http://schemas.microsoft.com/office/drawing/2014/main" id="{9890826F-C60C-4B98-A91B-C4CB8A68B1F2}"/>
-                </a:ext>
-              </a:extLst>
-            </p:cNvPr>
-            <p:cNvSpPr/>
-            <p:nvPr/>
-          </p:nvSpPr>
-          <p:spPr>
-            <a:xfrm>
-              <a:off x="1442167" y="2740525"/>
-              <a:ext cx="720000" cy="720000"/>
-            </a:xfrm>
-            <a:prstGeom prst="ellipse">
-              <a:avLst/>
-            </a:prstGeom>
-            <a:solidFill>
-              <a:schemeClr val="bg1">
-                <a:lumMod val="75000"/>
-              </a:schemeClr>
-            </a:solidFill>
-            <a:ln w="38100">
-              <a:solidFill>
-                <a:schemeClr val="tx1">
-                  <a:lumMod val="50000"/>
-                  <a:lumOff val="50000"/>
-                </a:schemeClr>
-              </a:solidFill>
-            </a:ln>
-          </p:spPr>
-          <p:style>
-            <a:lnRef idx="2">
-              <a:schemeClr val="accent1">
-                <a:shade val="50000"/>
-              </a:schemeClr>
-            </a:lnRef>
-            <a:fillRef idx="1">
-              <a:schemeClr val="accent1"/>
-            </a:fillRef>
-            <a:effectRef idx="0">
-              <a:schemeClr val="accent1"/>
-            </a:effectRef>
-            <a:fontRef idx="minor">
-              <a:schemeClr val="lt1"/>
-            </a:fontRef>
-          </p:style>
-          <p:txBody>
-            <a:bodyPr rtlCol="0" anchor="ctr"/>
-            <a:lstStyle/>
-            <a:p>
-              <a:pPr algn="ctr"/>
-              <a:endParaRPr lang="pt-PT"/>
-            </a:p>
-          </p:txBody>
-        </p:sp>
-        <p:sp>
-          <p:nvSpPr>
-            <p:cNvPr id="5" name="CaixaDeTexto 4">
-              <a:extLst>
-                <a:ext uri="{FF2B5EF4-FFF2-40B4-BE49-F238E27FC236}">
-                  <a16:creationId xmlns:a16="http://schemas.microsoft.com/office/drawing/2014/main" id="{83590D23-A497-4436-8E6C-7843260CED5C}"/>
-                </a:ext>
-              </a:extLst>
-            </p:cNvPr>
-            <p:cNvSpPr txBox="1"/>
-            <p:nvPr/>
-          </p:nvSpPr>
-          <p:spPr>
-            <a:xfrm>
-              <a:off x="878889" y="3554599"/>
-              <a:ext cx="1846556" cy="646331"/>
-            </a:xfrm>
-            <a:prstGeom prst="rect">
-              <a:avLst/>
-            </a:prstGeom>
-            <a:noFill/>
-            <a:ln>
-              <a:noFill/>
-            </a:ln>
-          </p:spPr>
-          <p:txBody>
-            <a:bodyPr wrap="square" rtlCol="0">
-              <a:spAutoFit/>
-            </a:bodyPr>
-            <a:lstStyle/>
-            <a:p>
-              <a:pPr algn="ctr"/>
-              <a:r>
-                <a:rPr lang="pt-BR"/>
-                <a:t>Application </a:t>
-              </a:r>
-            </a:p>
-            <a:p>
-              <a:pPr algn="ctr"/>
-              <a:r>
-                <a:rPr lang="pt-BR"/>
-                <a:t>Logic</a:t>
-              </a:r>
-              <a:endParaRPr lang="pt-PT"/>
-            </a:p>
-          </p:txBody>
-        </p:sp>
-        <p:sp>
-          <p:nvSpPr>
-            <p:cNvPr id="6" name="Elipse 5">
-              <a:extLst>
-                <a:ext uri="{FF2B5EF4-FFF2-40B4-BE49-F238E27FC236}">
-                  <a16:creationId xmlns:a16="http://schemas.microsoft.com/office/drawing/2014/main" id="{A9F9FCCB-9400-42C5-9DDF-3C2C997F24B5}"/>
-                </a:ext>
-              </a:extLst>
-            </p:cNvPr>
-            <p:cNvSpPr/>
-            <p:nvPr/>
-          </p:nvSpPr>
-          <p:spPr>
-            <a:xfrm>
-              <a:off x="3288723" y="2740525"/>
-              <a:ext cx="720000" cy="720000"/>
-            </a:xfrm>
-            <a:prstGeom prst="ellipse">
-              <a:avLst/>
-            </a:prstGeom>
-            <a:solidFill>
-              <a:schemeClr val="accent2"/>
-            </a:solidFill>
-            <a:ln w="38100">
-              <a:solidFill>
-                <a:schemeClr val="accent2">
-                  <a:lumMod val="50000"/>
-                </a:schemeClr>
-              </a:solidFill>
-            </a:ln>
-          </p:spPr>
-          <p:style>
-            <a:lnRef idx="2">
-              <a:schemeClr val="accent1">
-                <a:shade val="50000"/>
-              </a:schemeClr>
-            </a:lnRef>
-            <a:fillRef idx="1">
-              <a:schemeClr val="accent1"/>
-            </a:fillRef>
-            <a:effectRef idx="0">
-              <a:schemeClr val="accent1"/>
-            </a:effectRef>
-            <a:fontRef idx="minor">
-              <a:schemeClr val="lt1"/>
-            </a:fontRef>
-          </p:style>
-          <p:txBody>
-            <a:bodyPr rtlCol="0" anchor="ctr"/>
-            <a:lstStyle/>
-            <a:p>
-              <a:pPr algn="ctr"/>
-              <a:endParaRPr lang="pt-PT"/>
-            </a:p>
-          </p:txBody>
-        </p:sp>
-        <p:sp>
-          <p:nvSpPr>
-            <p:cNvPr id="8" name="Elipse 7">
-              <a:extLst>
-                <a:ext uri="{FF2B5EF4-FFF2-40B4-BE49-F238E27FC236}">
-                  <a16:creationId xmlns:a16="http://schemas.microsoft.com/office/drawing/2014/main" id="{D05914B2-839C-4557-ABAC-DFF0172AF3B9}"/>
-                </a:ext>
-              </a:extLst>
-            </p:cNvPr>
-            <p:cNvSpPr/>
-            <p:nvPr/>
-          </p:nvSpPr>
-          <p:spPr>
-            <a:xfrm>
-              <a:off x="5135279" y="2740525"/>
-              <a:ext cx="720000" cy="720000"/>
-            </a:xfrm>
-            <a:prstGeom prst="ellipse">
-              <a:avLst/>
-            </a:prstGeom>
-            <a:solidFill>
-              <a:schemeClr val="accent2"/>
-            </a:solidFill>
-            <a:ln w="38100">
-              <a:solidFill>
-                <a:schemeClr val="accent2">
-                  <a:lumMod val="50000"/>
-                </a:schemeClr>
-              </a:solidFill>
-            </a:ln>
-          </p:spPr>
-          <p:style>
-            <a:lnRef idx="2">
-              <a:schemeClr val="accent1">
-                <a:shade val="50000"/>
-              </a:schemeClr>
-            </a:lnRef>
-            <a:fillRef idx="1">
-              <a:schemeClr val="accent1"/>
-            </a:fillRef>
-            <a:effectRef idx="0">
-              <a:schemeClr val="accent1"/>
-            </a:effectRef>
-            <a:fontRef idx="minor">
-              <a:schemeClr val="lt1"/>
-            </a:fontRef>
-          </p:style>
-          <p:txBody>
-            <a:bodyPr rtlCol="0" anchor="ctr"/>
-            <a:lstStyle/>
-            <a:p>
-              <a:pPr algn="ctr"/>
-              <a:endParaRPr lang="pt-PT"/>
-            </a:p>
-          </p:txBody>
-        </p:sp>
-        <p:sp>
-          <p:nvSpPr>
-            <p:cNvPr id="9" name="CaixaDeTexto 8">
-              <a:extLst>
-                <a:ext uri="{FF2B5EF4-FFF2-40B4-BE49-F238E27FC236}">
-                  <a16:creationId xmlns:a16="http://schemas.microsoft.com/office/drawing/2014/main" id="{F29E9816-6651-4BC9-89BA-AFA0F2081981}"/>
-                </a:ext>
-              </a:extLst>
-            </p:cNvPr>
-            <p:cNvSpPr txBox="1"/>
-            <p:nvPr/>
-          </p:nvSpPr>
-          <p:spPr>
-            <a:xfrm>
-              <a:off x="2725445" y="3554599"/>
-              <a:ext cx="1846556" cy="369332"/>
-            </a:xfrm>
-            <a:prstGeom prst="rect">
-              <a:avLst/>
-            </a:prstGeom>
-            <a:noFill/>
-            <a:ln>
-              <a:noFill/>
-            </a:ln>
-          </p:spPr>
-          <p:txBody>
-            <a:bodyPr wrap="square" rtlCol="0">
-              <a:spAutoFit/>
-            </a:bodyPr>
-            <a:lstStyle/>
-            <a:p>
-              <a:pPr algn="ctr"/>
-              <a:r>
-                <a:rPr lang="pt-BR"/>
-                <a:t>JPA API</a:t>
-              </a:r>
-              <a:endParaRPr lang="pt-PT"/>
-            </a:p>
-          </p:txBody>
-        </p:sp>
-        <p:sp>
-          <p:nvSpPr>
-            <p:cNvPr id="10" name="CaixaDeTexto 9">
-              <a:extLst>
-                <a:ext uri="{FF2B5EF4-FFF2-40B4-BE49-F238E27FC236}">
-                  <a16:creationId xmlns:a16="http://schemas.microsoft.com/office/drawing/2014/main" id="{15F6FC7D-F592-4D52-A456-BB53426BE470}"/>
-                </a:ext>
-              </a:extLst>
-            </p:cNvPr>
-            <p:cNvSpPr txBox="1"/>
-            <p:nvPr/>
-          </p:nvSpPr>
-          <p:spPr>
-            <a:xfrm>
-              <a:off x="4572001" y="3554599"/>
-              <a:ext cx="1846556" cy="369332"/>
-            </a:xfrm>
-            <a:prstGeom prst="rect">
-              <a:avLst/>
-            </a:prstGeom>
-            <a:noFill/>
-            <a:ln>
-              <a:noFill/>
-            </a:ln>
-          </p:spPr>
-          <p:txBody>
-            <a:bodyPr wrap="square" rtlCol="0">
-              <a:spAutoFit/>
-            </a:bodyPr>
-            <a:lstStyle/>
-            <a:p>
-              <a:pPr algn="ctr"/>
-              <a:r>
-                <a:rPr lang="pt-BR"/>
-                <a:t>JPA Provider</a:t>
-              </a:r>
-              <a:endParaRPr lang="pt-PT"/>
-            </a:p>
-          </p:txBody>
-        </p:sp>
-        <p:sp>
-          <p:nvSpPr>
-            <p:cNvPr id="11" name="CaixaDeTexto 10">
-              <a:extLst>
-                <a:ext uri="{FF2B5EF4-FFF2-40B4-BE49-F238E27FC236}">
-                  <a16:creationId xmlns:a16="http://schemas.microsoft.com/office/drawing/2014/main" id="{D0676F62-F7D0-4C47-98ED-7B4B18B4C37D}"/>
-                </a:ext>
-              </a:extLst>
-            </p:cNvPr>
-            <p:cNvSpPr txBox="1"/>
-            <p:nvPr/>
-          </p:nvSpPr>
-          <p:spPr>
-            <a:xfrm>
-              <a:off x="6418557" y="3554599"/>
-              <a:ext cx="1846556" cy="369332"/>
-            </a:xfrm>
-            <a:prstGeom prst="rect">
-              <a:avLst/>
-            </a:prstGeom>
-            <a:noFill/>
-            <a:ln>
-              <a:noFill/>
-            </a:ln>
-          </p:spPr>
-          <p:txBody>
-            <a:bodyPr wrap="square" rtlCol="0">
-              <a:spAutoFit/>
-            </a:bodyPr>
-            <a:lstStyle/>
-            <a:p>
-              <a:pPr algn="ctr"/>
-              <a:r>
-                <a:rPr lang="pt-BR"/>
-                <a:t>JDBC API</a:t>
-              </a:r>
-              <a:endParaRPr lang="pt-PT"/>
-            </a:p>
-          </p:txBody>
-        </p:sp>
-        <p:sp>
-          <p:nvSpPr>
-            <p:cNvPr id="12" name="CaixaDeTexto 11">
-              <a:extLst>
-                <a:ext uri="{FF2B5EF4-FFF2-40B4-BE49-F238E27FC236}">
-                  <a16:creationId xmlns:a16="http://schemas.microsoft.com/office/drawing/2014/main" id="{CC8E7FA9-850D-4D57-A569-4D0B6F82CA25}"/>
-                </a:ext>
-              </a:extLst>
-            </p:cNvPr>
-            <p:cNvSpPr txBox="1"/>
-            <p:nvPr/>
-          </p:nvSpPr>
-          <p:spPr>
-            <a:xfrm>
-              <a:off x="8265113" y="3554599"/>
-              <a:ext cx="1846556" cy="369332"/>
-            </a:xfrm>
-            <a:prstGeom prst="rect">
-              <a:avLst/>
-            </a:prstGeom>
-            <a:noFill/>
-            <a:ln>
-              <a:noFill/>
-            </a:ln>
-          </p:spPr>
-          <p:txBody>
-            <a:bodyPr wrap="square" rtlCol="0">
-              <a:spAutoFit/>
-            </a:bodyPr>
-            <a:lstStyle/>
-            <a:p>
-              <a:pPr algn="ctr"/>
-              <a:r>
-                <a:rPr lang="pt-BR"/>
-                <a:t>JDBC Driver</a:t>
-              </a:r>
-              <a:endParaRPr lang="pt-PT"/>
-            </a:p>
-          </p:txBody>
-        </p:sp>
-        <p:sp>
-          <p:nvSpPr>
-            <p:cNvPr id="13" name="CaixaDeTexto 12">
-              <a:extLst>
-                <a:ext uri="{FF2B5EF4-FFF2-40B4-BE49-F238E27FC236}">
-                  <a16:creationId xmlns:a16="http://schemas.microsoft.com/office/drawing/2014/main" id="{345167BF-22A3-483B-BACF-234B20311A6E}"/>
-                </a:ext>
-              </a:extLst>
-            </p:cNvPr>
-            <p:cNvSpPr txBox="1"/>
-            <p:nvPr/>
-          </p:nvSpPr>
-          <p:spPr>
-            <a:xfrm>
-              <a:off x="10111669" y="3554599"/>
-              <a:ext cx="1846556" cy="369332"/>
-            </a:xfrm>
-            <a:prstGeom prst="rect">
-              <a:avLst/>
-            </a:prstGeom>
-            <a:noFill/>
-            <a:ln>
-              <a:noFill/>
-            </a:ln>
-          </p:spPr>
-          <p:txBody>
-            <a:bodyPr wrap="square" rtlCol="0">
-              <a:spAutoFit/>
-            </a:bodyPr>
-            <a:lstStyle/>
-            <a:p>
-              <a:pPr algn="ctr"/>
-              <a:r>
-                <a:rPr lang="pt-BR"/>
-                <a:t>Database</a:t>
-              </a:r>
-              <a:endParaRPr lang="pt-PT"/>
-            </a:p>
-          </p:txBody>
-        </p:sp>
-        <p:sp>
-          <p:nvSpPr>
-            <p:cNvPr id="14" name="Elipse 13">
-              <a:extLst>
-                <a:ext uri="{FF2B5EF4-FFF2-40B4-BE49-F238E27FC236}">
-                  <a16:creationId xmlns:a16="http://schemas.microsoft.com/office/drawing/2014/main" id="{38E69FE6-B0B6-4CA3-8DA1-9205C1DBEF31}"/>
-                </a:ext>
-              </a:extLst>
-            </p:cNvPr>
-            <p:cNvSpPr/>
-            <p:nvPr/>
-          </p:nvSpPr>
-          <p:spPr>
-            <a:xfrm>
-              <a:off x="6981835" y="2740525"/>
-              <a:ext cx="720000" cy="720000"/>
-            </a:xfrm>
-            <a:prstGeom prst="ellipse">
-              <a:avLst/>
-            </a:prstGeom>
-            <a:solidFill>
-              <a:schemeClr val="accent6">
-                <a:lumMod val="75000"/>
-              </a:schemeClr>
-            </a:solidFill>
-            <a:ln w="38100">
-              <a:solidFill>
-                <a:schemeClr val="accent6">
-                  <a:lumMod val="50000"/>
-                </a:schemeClr>
-              </a:solidFill>
-            </a:ln>
-          </p:spPr>
-          <p:style>
-            <a:lnRef idx="2">
-              <a:schemeClr val="accent1">
-                <a:shade val="50000"/>
-              </a:schemeClr>
-            </a:lnRef>
-            <a:fillRef idx="1">
-              <a:schemeClr val="accent1"/>
-            </a:fillRef>
-            <a:effectRef idx="0">
-              <a:schemeClr val="accent1"/>
-            </a:effectRef>
-            <a:fontRef idx="minor">
-              <a:schemeClr val="lt1"/>
-            </a:fontRef>
-          </p:style>
-          <p:txBody>
-            <a:bodyPr rtlCol="0" anchor="ctr"/>
-            <a:lstStyle/>
-            <a:p>
-              <a:pPr algn="ctr"/>
-              <a:endParaRPr lang="pt-PT"/>
-            </a:p>
-          </p:txBody>
-        </p:sp>
-        <p:sp>
-          <p:nvSpPr>
-            <p:cNvPr id="15" name="Elipse 14">
-              <a:extLst>
-                <a:ext uri="{FF2B5EF4-FFF2-40B4-BE49-F238E27FC236}">
-                  <a16:creationId xmlns:a16="http://schemas.microsoft.com/office/drawing/2014/main" id="{960B1FF3-DA3F-4B2E-9C4A-CDF168FF4B92}"/>
-                </a:ext>
-              </a:extLst>
-            </p:cNvPr>
-            <p:cNvSpPr/>
-            <p:nvPr/>
-          </p:nvSpPr>
-          <p:spPr>
-            <a:xfrm>
-              <a:off x="8828391" y="2740525"/>
-              <a:ext cx="720000" cy="720000"/>
-            </a:xfrm>
-            <a:prstGeom prst="ellipse">
-              <a:avLst/>
-            </a:prstGeom>
-            <a:solidFill>
-              <a:schemeClr val="accent6">
-                <a:lumMod val="75000"/>
-              </a:schemeClr>
-            </a:solidFill>
-            <a:ln w="38100">
-              <a:solidFill>
-                <a:schemeClr val="accent6">
-                  <a:lumMod val="50000"/>
-                </a:schemeClr>
-              </a:solidFill>
-            </a:ln>
-          </p:spPr>
-          <p:style>
-            <a:lnRef idx="2">
-              <a:schemeClr val="accent1">
-                <a:shade val="50000"/>
-              </a:schemeClr>
-            </a:lnRef>
-            <a:fillRef idx="1">
-              <a:schemeClr val="accent1"/>
-            </a:fillRef>
-            <a:effectRef idx="0">
-              <a:schemeClr val="accent1"/>
-            </a:effectRef>
-            <a:fontRef idx="minor">
-              <a:schemeClr val="lt1"/>
-            </a:fontRef>
-          </p:style>
-          <p:txBody>
-            <a:bodyPr rtlCol="0" anchor="ctr"/>
-            <a:lstStyle/>
-            <a:p>
-              <a:pPr algn="ctr"/>
-              <a:endParaRPr lang="pt-PT"/>
-            </a:p>
-          </p:txBody>
-        </p:sp>
-        <p:sp>
-          <p:nvSpPr>
-            <p:cNvPr id="17" name="Cilindro 16">
-              <a:extLst>
-                <a:ext uri="{FF2B5EF4-FFF2-40B4-BE49-F238E27FC236}">
-                  <a16:creationId xmlns:a16="http://schemas.microsoft.com/office/drawing/2014/main" id="{2BB06F28-F85E-4E22-B547-CDA127AB692C}"/>
-                </a:ext>
-              </a:extLst>
-            </p:cNvPr>
-            <p:cNvSpPr/>
-            <p:nvPr/>
-          </p:nvSpPr>
-          <p:spPr>
-            <a:xfrm>
-              <a:off x="10604380" y="3160588"/>
-              <a:ext cx="861134" cy="252000"/>
-            </a:xfrm>
-            <a:prstGeom prst="can">
-              <a:avLst>
-                <a:gd name="adj" fmla="val 37407"/>
-              </a:avLst>
-            </a:prstGeom>
-          </p:spPr>
-          <p:style>
-            <a:lnRef idx="2">
-              <a:schemeClr val="accent3">
-                <a:shade val="50000"/>
-              </a:schemeClr>
-            </a:lnRef>
-            <a:fillRef idx="1">
-              <a:schemeClr val="accent3"/>
-            </a:fillRef>
-            <a:effectRef idx="0">
-              <a:schemeClr val="accent3"/>
-            </a:effectRef>
-            <a:fontRef idx="minor">
-              <a:schemeClr val="lt1"/>
-            </a:fontRef>
-          </p:style>
-          <p:txBody>
-            <a:bodyPr rtlCol="0" anchor="ctr"/>
-            <a:lstStyle/>
-            <a:p>
-              <a:pPr algn="ctr"/>
-              <a:endParaRPr lang="pt-PT"/>
-            </a:p>
-          </p:txBody>
-        </p:sp>
-        <p:sp>
-          <p:nvSpPr>
-            <p:cNvPr id="18" name="Cilindro 17">
-              <a:extLst>
-                <a:ext uri="{FF2B5EF4-FFF2-40B4-BE49-F238E27FC236}">
-                  <a16:creationId xmlns:a16="http://schemas.microsoft.com/office/drawing/2014/main" id="{49922115-4555-4357-B58F-11413F50C60E}"/>
-                </a:ext>
-              </a:extLst>
-            </p:cNvPr>
-            <p:cNvSpPr/>
-            <p:nvPr/>
-          </p:nvSpPr>
-          <p:spPr>
-            <a:xfrm>
-              <a:off x="10604380" y="2966761"/>
-              <a:ext cx="861134" cy="252000"/>
-            </a:xfrm>
-            <a:prstGeom prst="can">
-              <a:avLst>
-                <a:gd name="adj" fmla="val 37407"/>
-              </a:avLst>
-            </a:prstGeom>
-          </p:spPr>
-          <p:style>
-            <a:lnRef idx="2">
-              <a:schemeClr val="accent3">
-                <a:shade val="50000"/>
-              </a:schemeClr>
-            </a:lnRef>
-            <a:fillRef idx="1">
-              <a:schemeClr val="accent3"/>
-            </a:fillRef>
-            <a:effectRef idx="0">
-              <a:schemeClr val="accent3"/>
-            </a:effectRef>
-            <a:fontRef idx="minor">
-              <a:schemeClr val="lt1"/>
-            </a:fontRef>
-          </p:style>
-          <p:txBody>
-            <a:bodyPr rtlCol="0" anchor="ctr"/>
-            <a:lstStyle/>
-            <a:p>
-              <a:pPr algn="ctr"/>
-              <a:endParaRPr lang="pt-PT"/>
-            </a:p>
-          </p:txBody>
-        </p:sp>
-        <p:sp>
-          <p:nvSpPr>
-            <p:cNvPr id="19" name="Cilindro 18">
-              <a:extLst>
-                <a:ext uri="{FF2B5EF4-FFF2-40B4-BE49-F238E27FC236}">
-                  <a16:creationId xmlns:a16="http://schemas.microsoft.com/office/drawing/2014/main" id="{72DB0920-CBF8-43D3-A1CA-AFBD2BDD0FE0}"/>
-                </a:ext>
-              </a:extLst>
-            </p:cNvPr>
-            <p:cNvSpPr/>
-            <p:nvPr/>
-          </p:nvSpPr>
-          <p:spPr>
-            <a:xfrm>
-              <a:off x="10604380" y="2788462"/>
-              <a:ext cx="861134" cy="252000"/>
-            </a:xfrm>
-            <a:prstGeom prst="can">
-              <a:avLst>
-                <a:gd name="adj" fmla="val 37407"/>
-              </a:avLst>
-            </a:prstGeom>
-          </p:spPr>
-          <p:style>
-            <a:lnRef idx="2">
-              <a:schemeClr val="accent3">
-                <a:shade val="50000"/>
-              </a:schemeClr>
-            </a:lnRef>
-            <a:fillRef idx="1">
-              <a:schemeClr val="accent3"/>
-            </a:fillRef>
-            <a:effectRef idx="0">
-              <a:schemeClr val="accent3"/>
-            </a:effectRef>
-            <a:fontRef idx="minor">
-              <a:schemeClr val="lt1"/>
-            </a:fontRef>
-          </p:style>
-          <p:txBody>
-            <a:bodyPr rtlCol="0" anchor="ctr"/>
-            <a:lstStyle/>
-            <a:p>
-              <a:pPr algn="ctr"/>
-              <a:endParaRPr lang="pt-PT"/>
-            </a:p>
-          </p:txBody>
-        </p:sp>
-        <p:sp>
-          <p:nvSpPr>
-            <p:cNvPr id="21" name="Retângulo 20">
-              <a:extLst>
-                <a:ext uri="{FF2B5EF4-FFF2-40B4-BE49-F238E27FC236}">
-                  <a16:creationId xmlns:a16="http://schemas.microsoft.com/office/drawing/2014/main" id="{33684479-72D5-4E6C-87D1-F112E513E99A}"/>
-                </a:ext>
-              </a:extLst>
-            </p:cNvPr>
-            <p:cNvSpPr/>
-            <p:nvPr/>
-          </p:nvSpPr>
-          <p:spPr>
-            <a:xfrm>
-              <a:off x="976544" y="2503503"/>
-              <a:ext cx="10866267" cy="1697427"/>
-            </a:xfrm>
-            <a:prstGeom prst="rect">
-              <a:avLst/>
-            </a:prstGeom>
-            <a:noFill/>
-            <a:ln>
-              <a:solidFill>
-                <a:schemeClr val="bg1">
-                  <a:lumMod val="75000"/>
-                </a:schemeClr>
-              </a:solidFill>
-            </a:ln>
-          </p:spPr>
-          <p:style>
-            <a:lnRef idx="2">
-              <a:schemeClr val="accent1">
-                <a:shade val="50000"/>
-              </a:schemeClr>
-            </a:lnRef>
-            <a:fillRef idx="1">
-              <a:schemeClr val="accent1"/>
-            </a:fillRef>
-            <a:effectRef idx="0">
-              <a:schemeClr val="accent1"/>
-            </a:effectRef>
-            <a:fontRef idx="minor">
-              <a:schemeClr val="lt1"/>
-            </a:fontRef>
-          </p:style>
-          <p:txBody>
-            <a:bodyPr rtlCol="0" anchor="ctr"/>
-            <a:lstStyle/>
-            <a:p>
-              <a:pPr algn="ctr"/>
-              <a:endParaRPr lang="pt-PT"/>
-            </a:p>
-          </p:txBody>
-        </p:sp>
-        <p:cxnSp>
-          <p:nvCxnSpPr>
-            <p:cNvPr id="23" name="Conector de Seta Reta 22">
-              <a:extLst>
-                <a:ext uri="{FF2B5EF4-FFF2-40B4-BE49-F238E27FC236}">
-                  <a16:creationId xmlns:a16="http://schemas.microsoft.com/office/drawing/2014/main" id="{B651C9CE-26D8-455F-B505-12C022992D8B}"/>
-                </a:ext>
-              </a:extLst>
-            </p:cNvPr>
-            <p:cNvCxnSpPr>
-              <a:cxnSpLocks/>
-            </p:cNvCxnSpPr>
-            <p:nvPr/>
-          </p:nvCxnSpPr>
-          <p:spPr>
-            <a:xfrm>
-              <a:off x="2277578" y="3100525"/>
-              <a:ext cx="900000" cy="0"/>
-            </a:xfrm>
-            <a:prstGeom prst="straightConnector1">
-              <a:avLst/>
-            </a:prstGeom>
-            <a:ln w="38100">
-              <a:solidFill>
-                <a:schemeClr val="tx1">
-                  <a:lumMod val="50000"/>
-                  <a:lumOff val="50000"/>
-                </a:schemeClr>
-              </a:solidFill>
-              <a:tailEnd type="triangle"/>
-            </a:ln>
-          </p:spPr>
-          <p:style>
-            <a:lnRef idx="1">
-              <a:schemeClr val="accent1"/>
-            </a:lnRef>
-            <a:fillRef idx="0">
-              <a:schemeClr val="accent1"/>
-            </a:fillRef>
-            <a:effectRef idx="0">
-              <a:schemeClr val="accent1"/>
-            </a:effectRef>
-            <a:fontRef idx="minor">
-              <a:schemeClr val="tx1"/>
-            </a:fontRef>
-          </p:style>
-        </p:cxnSp>
-        <p:cxnSp>
-          <p:nvCxnSpPr>
-            <p:cNvPr id="25" name="Conector de Seta Reta 24">
-              <a:extLst>
-                <a:ext uri="{FF2B5EF4-FFF2-40B4-BE49-F238E27FC236}">
-                  <a16:creationId xmlns:a16="http://schemas.microsoft.com/office/drawing/2014/main" id="{7E5A30BA-7EC2-4C69-87A7-A3932122CFE6}"/>
-                </a:ext>
-              </a:extLst>
-            </p:cNvPr>
-            <p:cNvCxnSpPr>
-              <a:cxnSpLocks/>
-            </p:cNvCxnSpPr>
-            <p:nvPr/>
-          </p:nvCxnSpPr>
-          <p:spPr>
-            <a:xfrm>
-              <a:off x="4122001" y="3113100"/>
-              <a:ext cx="900000" cy="0"/>
-            </a:xfrm>
-            <a:prstGeom prst="straightConnector1">
-              <a:avLst/>
-            </a:prstGeom>
-            <a:ln w="38100">
-              <a:solidFill>
-                <a:schemeClr val="tx1">
-                  <a:lumMod val="50000"/>
-                  <a:lumOff val="50000"/>
-                </a:schemeClr>
-              </a:solidFill>
-              <a:tailEnd type="triangle"/>
-            </a:ln>
-          </p:spPr>
-          <p:style>
-            <a:lnRef idx="1">
-              <a:schemeClr val="accent1"/>
-            </a:lnRef>
-            <a:fillRef idx="0">
-              <a:schemeClr val="accent1"/>
-            </a:fillRef>
-            <a:effectRef idx="0">
-              <a:schemeClr val="accent1"/>
-            </a:effectRef>
-            <a:fontRef idx="minor">
-              <a:schemeClr val="tx1"/>
-            </a:fontRef>
-          </p:style>
-        </p:cxnSp>
-        <p:cxnSp>
-          <p:nvCxnSpPr>
-            <p:cNvPr id="26" name="Conector de Seta Reta 25">
-              <a:extLst>
-                <a:ext uri="{FF2B5EF4-FFF2-40B4-BE49-F238E27FC236}">
-                  <a16:creationId xmlns:a16="http://schemas.microsoft.com/office/drawing/2014/main" id="{66AC22B0-042C-47B9-B7D2-990D781F0D66}"/>
-                </a:ext>
-              </a:extLst>
-            </p:cNvPr>
-            <p:cNvCxnSpPr>
-              <a:cxnSpLocks/>
-            </p:cNvCxnSpPr>
-            <p:nvPr/>
-          </p:nvCxnSpPr>
-          <p:spPr>
-            <a:xfrm>
-              <a:off x="5966424" y="3125675"/>
-              <a:ext cx="900000" cy="0"/>
-            </a:xfrm>
-            <a:prstGeom prst="straightConnector1">
-              <a:avLst/>
-            </a:prstGeom>
-            <a:ln w="38100">
-              <a:solidFill>
-                <a:schemeClr val="tx1">
-                  <a:lumMod val="50000"/>
-                  <a:lumOff val="50000"/>
-                </a:schemeClr>
-              </a:solidFill>
-              <a:tailEnd type="triangle"/>
-            </a:ln>
-          </p:spPr>
-          <p:style>
-            <a:lnRef idx="1">
-              <a:schemeClr val="accent1"/>
-            </a:lnRef>
-            <a:fillRef idx="0">
-              <a:schemeClr val="accent1"/>
-            </a:fillRef>
-            <a:effectRef idx="0">
-              <a:schemeClr val="accent1"/>
-            </a:effectRef>
-            <a:fontRef idx="minor">
-              <a:schemeClr val="tx1"/>
-            </a:fontRef>
-          </p:style>
-        </p:cxnSp>
-        <p:cxnSp>
-          <p:nvCxnSpPr>
-            <p:cNvPr id="27" name="Conector de Seta Reta 26">
-              <a:extLst>
-                <a:ext uri="{FF2B5EF4-FFF2-40B4-BE49-F238E27FC236}">
-                  <a16:creationId xmlns:a16="http://schemas.microsoft.com/office/drawing/2014/main" id="{9F08DD47-AF06-4726-90B7-9B38C26118FF}"/>
-                </a:ext>
-              </a:extLst>
-            </p:cNvPr>
-            <p:cNvCxnSpPr>
-              <a:cxnSpLocks/>
-            </p:cNvCxnSpPr>
-            <p:nvPr/>
-          </p:nvCxnSpPr>
-          <p:spPr>
-            <a:xfrm>
-              <a:off x="7810847" y="3138250"/>
-              <a:ext cx="900000" cy="0"/>
-            </a:xfrm>
-            <a:prstGeom prst="straightConnector1">
-              <a:avLst/>
-            </a:prstGeom>
-            <a:ln w="38100">
-              <a:solidFill>
-                <a:schemeClr val="tx1">
-                  <a:lumMod val="50000"/>
-                  <a:lumOff val="50000"/>
-                </a:schemeClr>
-              </a:solidFill>
-              <a:tailEnd type="triangle"/>
-            </a:ln>
-          </p:spPr>
-          <p:style>
-            <a:lnRef idx="1">
-              <a:schemeClr val="accent1"/>
-            </a:lnRef>
-            <a:fillRef idx="0">
-              <a:schemeClr val="accent1"/>
-            </a:fillRef>
-            <a:effectRef idx="0">
-              <a:schemeClr val="accent1"/>
-            </a:effectRef>
-            <a:fontRef idx="minor">
-              <a:schemeClr val="tx1"/>
-            </a:fontRef>
-          </p:style>
-        </p:cxnSp>
-        <p:cxnSp>
-          <p:nvCxnSpPr>
-            <p:cNvPr id="28" name="Conector de Seta Reta 27">
-              <a:extLst>
-                <a:ext uri="{FF2B5EF4-FFF2-40B4-BE49-F238E27FC236}">
-                  <a16:creationId xmlns:a16="http://schemas.microsoft.com/office/drawing/2014/main" id="{BBD5C16A-9E31-455F-8492-E19CA4A5E5AB}"/>
-                </a:ext>
-              </a:extLst>
-            </p:cNvPr>
-            <p:cNvCxnSpPr>
-              <a:cxnSpLocks/>
-            </p:cNvCxnSpPr>
-            <p:nvPr/>
-          </p:nvCxnSpPr>
-          <p:spPr>
-            <a:xfrm>
-              <a:off x="9655270" y="3150825"/>
-              <a:ext cx="900000" cy="0"/>
-            </a:xfrm>
-            <a:prstGeom prst="straightConnector1">
-              <a:avLst/>
-            </a:prstGeom>
-            <a:ln w="38100">
-              <a:solidFill>
-                <a:schemeClr val="tx1">
-                  <a:lumMod val="50000"/>
-                  <a:lumOff val="50000"/>
-                </a:schemeClr>
-              </a:solidFill>
-              <a:tailEnd type="triangle"/>
-            </a:ln>
-          </p:spPr>
-          <p:style>
-            <a:lnRef idx="1">
-              <a:schemeClr val="accent1"/>
-            </a:lnRef>
-            <a:fillRef idx="0">
-              <a:schemeClr val="accent1"/>
-            </a:fillRef>
-            <a:effectRef idx="0">
-              <a:schemeClr val="accent1"/>
-            </a:effectRef>
-            <a:fontRef idx="minor">
-              <a:schemeClr val="tx1"/>
-            </a:fontRef>
-          </p:style>
-        </p:cxnSp>
-      </p:grpSp>
-      <p:sp>
-        <p:nvSpPr>
-          <p:cNvPr id="30" name="Retângulo 29">
-            <a:extLst>
-              <a:ext uri="{FF2B5EF4-FFF2-40B4-BE49-F238E27FC236}">
-                <a16:creationId xmlns:a16="http://schemas.microsoft.com/office/drawing/2014/main" id="{5379BCE1-2320-48BF-9069-9058FAAF4457}"/>
-              </a:ext>
-            </a:extLst>
-          </p:cNvPr>
-          <p:cNvSpPr/>
-          <p:nvPr/>
-        </p:nvSpPr>
-        <p:spPr>
-          <a:xfrm>
-            <a:off x="923278" y="2696443"/>
-            <a:ext cx="10866267" cy="3677724"/>
-          </a:xfrm>
-          <a:prstGeom prst="rect">
-            <a:avLst/>
-          </a:prstGeom>
-          <a:noFill/>
-        </p:spPr>
-        <p:style>
-          <a:lnRef idx="2">
-            <a:schemeClr val="accent1">
-              <a:shade val="50000"/>
-            </a:schemeClr>
-          </a:lnRef>
-          <a:fillRef idx="1">
-            <a:schemeClr val="accent1"/>
-          </a:fillRef>
-          <a:effectRef idx="0">
-            <a:schemeClr val="accent1"/>
-          </a:effectRef>
-          <a:fontRef idx="minor">
-            <a:schemeClr val="lt1"/>
-          </a:fontRef>
-        </p:style>
-        <p:txBody>
-          <a:bodyPr rtlCol="0" anchor="t"/>
-          <a:lstStyle/>
-          <a:p>
-            <a:r>
-              <a:rPr lang="pt-BR">
-                <a:solidFill>
-                  <a:schemeClr val="tx1"/>
-                </a:solidFill>
-              </a:rPr>
-              <a:t>A plataforma Java fornece as API JPA e JDBC para acesso a banco de dados relacionais. Sobre estas APIs, é correto afirmar:</a:t>
-            </a:r>
-          </a:p>
-          <a:p>
-            <a:r>
-              <a:rPr lang="pt-BR">
-                <a:solidFill>
-                  <a:schemeClr val="tx1"/>
-                </a:solidFill>
-              </a:rPr>
-              <a:t>a)JPA habilita a conectividade e a execução de instruções SQL</a:t>
-            </a:r>
-          </a:p>
-          <a:p>
-            <a:r>
-              <a:rPr lang="pt-BR">
-                <a:solidFill>
-                  <a:schemeClr val="tx1"/>
-                </a:solidFill>
-              </a:rPr>
-              <a:t>b)JDBC fornece anotações para se realizar o mapeamento objeto-relacional</a:t>
-            </a:r>
-          </a:p>
-          <a:p>
-            <a:r>
-              <a:rPr lang="pt-BR">
-                <a:solidFill>
-                  <a:schemeClr val="tx1"/>
-                </a:solidFill>
-              </a:rPr>
-              <a:t>c)Fornecedores de banco de dados (Oracle, MySQL, PostGres, etc) são responsáveis por disponibilidade a implementação JPA Provider</a:t>
-            </a:r>
-          </a:p>
-          <a:p>
-            <a:r>
-              <a:rPr lang="pt-BR">
-                <a:solidFill>
-                  <a:schemeClr val="tx1"/>
-                </a:solidFill>
-              </a:rPr>
-              <a:t>d)Hibernate, EclipseLink são exemplos de JDBC Driver</a:t>
-            </a:r>
-          </a:p>
-          <a:p>
-            <a:r>
-              <a:rPr lang="pt-BR">
-                <a:solidFill>
-                  <a:schemeClr val="tx1"/>
-                </a:solidFill>
-              </a:rPr>
-              <a:t>e)A especificação JPA estabelece uma linguagem de consulta orientada a objeto, mas com similiares ao SQL</a:t>
+              <a:t>titulo</a:t>
             </a:r>
           </a:p>
         </p:txBody>
